--- a/STS - TidyData - Slides.pptx
+++ b/STS - TidyData - Slides.pptx
@@ -4085,36 +4085,6 @@
           </a:p>
         </p:txBody>
       </p:sp>
-      <p:pic>
-        <p:nvPicPr>
-          <p:cNvPr id="4" name="Picture 3" descr="Screen Shot 2016-10-17 at 11.33.14 AM.png"/>
-          <p:cNvPicPr>
-            <a:picLocks noChangeAspect="1"/>
-          </p:cNvPicPr>
-          <p:nvPr/>
-        </p:nvPicPr>
-        <p:blipFill>
-          <a:blip r:embed="rId3">
-            <a:extLst>
-              <a:ext uri="{28A0092B-C50C-407E-A947-70E740481C1C}">
-                <a14:useLocalDpi xmlns:a14="http://schemas.microsoft.com/office/drawing/2010/main" val="0"/>
-              </a:ext>
-            </a:extLst>
-          </a:blip>
-          <a:stretch>
-            <a:fillRect/>
-          </a:stretch>
-        </p:blipFill>
-        <p:spPr>
-          <a:xfrm>
-            <a:off x="1157305" y="2118738"/>
-            <a:ext cx="6807200" cy="787400"/>
-          </a:xfrm>
-          <a:prstGeom prst="rect">
-            <a:avLst/>
-          </a:prstGeom>
-        </p:spPr>
-      </p:pic>
     </p:spTree>
     <p:extLst>
       <p:ext uri="{BB962C8B-B14F-4D97-AF65-F5344CB8AC3E}">
@@ -5518,11 +5488,7 @@
           <a:p>
             <a:r>
               <a:rPr lang="en-US" dirty="0" smtClean="0"/>
-              <a:t>Humans versus </a:t>
-            </a:r>
-            <a:r>
-              <a:rPr lang="en-US" dirty="0" smtClean="0"/>
-              <a:t>Computers</a:t>
+              <a:t>Humans versus Computers</a:t>
             </a:r>
             <a:endParaRPr lang="en-US" dirty="0"/>
           </a:p>
@@ -5655,15 +5621,7 @@
             <a:pPr algn="r"/>
             <a:r>
               <a:rPr lang="en-US" sz="4000" dirty="0" smtClean="0"/>
-              <a:t>What </a:t>
-            </a:r>
-            <a:r>
-              <a:rPr lang="en-US" sz="4000" dirty="0" smtClean="0"/>
-              <a:t>your analysis software </a:t>
-            </a:r>
-            <a:r>
-              <a:rPr lang="en-US" sz="4000" dirty="0" smtClean="0"/>
-              <a:t>wants</a:t>
+              <a:t>What your analysis software wants</a:t>
             </a:r>
             <a:endParaRPr lang="en-US" sz="4000" dirty="0"/>
           </a:p>
@@ -5730,11 +5688,7 @@
           <a:p>
             <a:r>
               <a:rPr lang="en-US" dirty="0" smtClean="0"/>
-              <a:t>Humans versus </a:t>
-            </a:r>
-            <a:r>
-              <a:rPr lang="en-US" dirty="0" smtClean="0"/>
-              <a:t>Computers</a:t>
+              <a:t>Humans versus Computers</a:t>
             </a:r>
             <a:endParaRPr lang="en-US" dirty="0"/>
           </a:p>
@@ -5869,7 +5823,6 @@
               <a:rPr lang="en-US" sz="4000" dirty="0"/>
               <a:t>What your analysis software wants</a:t>
             </a:r>
-            <a:endParaRPr lang="en-US" sz="4000" dirty="0"/>
           </a:p>
         </p:txBody>
       </p:sp>
